--- a/Challenge04-CSSTransformHoverEffects/Challenge4.pptx
+++ b/Challenge04-CSSTransformHoverEffects/Challenge4.pptx
@@ -3777,7 +3777,7 @@
         </p:nvSpPr>
         <p:spPr>
           <a:xfrm>
-            <a:off x="2679674" y="745173"/>
+            <a:off x="2444896" y="361911"/>
             <a:ext cx="2611421" cy="584775"/>
           </a:xfrm>
           <a:prstGeom prst="rect">
@@ -3796,7 +3796,7 @@
               <a:t>Challenge #</a:t>
             </a:r>
             <a:r>
-              <a:rPr lang="fa-IR" sz="3200" b="1"/>
+              <a:rPr lang="fa-IR" sz="3200" b="1" dirty="0"/>
               <a:t>4</a:t>
             </a:r>
             <a:endParaRPr lang="en-US" sz="3200" dirty="0"/>
@@ -3805,10 +3805,10 @@
       </p:sp>
       <p:pic>
         <p:nvPicPr>
-          <p:cNvPr id="2" name="Picture 1">
-            <a:extLst>
-              <a:ext uri="{FF2B5EF4-FFF2-40B4-BE49-F238E27FC236}">
-                <a16:creationId xmlns:a16="http://schemas.microsoft.com/office/drawing/2014/main" id="{2A72C415-995D-EE49-8C03-5F2171A602B3}"/>
+          <p:cNvPr id="4" name="Picture 3">
+            <a:extLst>
+              <a:ext uri="{FF2B5EF4-FFF2-40B4-BE49-F238E27FC236}">
+                <a16:creationId xmlns:a16="http://schemas.microsoft.com/office/drawing/2014/main" id="{A91CB814-6095-5331-B1B0-265120C872C8}"/>
               </a:ext>
             </a:extLst>
           </p:cNvPr>
@@ -3818,51 +3818,15 @@
           <p:nvPr/>
         </p:nvPicPr>
         <p:blipFill>
-          <a:blip r:embed="rId3">
-            <a:extLst>
-              <a:ext uri="{28A0092B-C50C-407E-A947-70E740481C1C}">
-                <a14:useLocalDpi xmlns:a14="http://schemas.microsoft.com/office/drawing/2010/main" val="0"/>
-              </a:ext>
-            </a:extLst>
-          </a:blip>
+          <a:blip r:embed="rId3"/>
           <a:stretch>
             <a:fillRect/>
           </a:stretch>
         </p:blipFill>
         <p:spPr>
           <a:xfrm>
-            <a:off x="772718" y="84083"/>
-            <a:ext cx="1906956" cy="1906956"/>
-          </a:xfrm>
-          <a:prstGeom prst="rect">
-            <a:avLst/>
-          </a:prstGeom>
-        </p:spPr>
-      </p:pic>
-      <p:pic>
-        <p:nvPicPr>
-          <p:cNvPr id="7" name="Picture 6">
-            <a:extLst>
-              <a:ext uri="{FF2B5EF4-FFF2-40B4-BE49-F238E27FC236}">
-                <a16:creationId xmlns:a16="http://schemas.microsoft.com/office/drawing/2014/main" id="{F699BD13-2492-BE67-FB6E-9ABAFCC8ED2C}"/>
-              </a:ext>
-            </a:extLst>
-          </p:cNvPr>
-          <p:cNvPicPr>
-            <a:picLocks noChangeAspect="1"/>
-          </p:cNvPicPr>
-          <p:nvPr/>
-        </p:nvPicPr>
-        <p:blipFill>
-          <a:blip r:embed="rId4"/>
-          <a:stretch>
-            <a:fillRect/>
-          </a:stretch>
-        </p:blipFill>
-        <p:spPr>
-          <a:xfrm>
-            <a:off x="4267200" y="2698628"/>
-            <a:ext cx="7577958" cy="2207242"/>
+            <a:off x="5616242" y="202804"/>
+            <a:ext cx="4641853" cy="6039510"/>
           </a:xfrm>
           <a:prstGeom prst="rect">
             <a:avLst/>
@@ -3874,6 +3838,77 @@
           </a:ln>
         </p:spPr>
       </p:pic>
+      <p:pic>
+        <p:nvPicPr>
+          <p:cNvPr id="2" name="Graphic 1">
+            <a:extLst>
+              <a:ext uri="{FF2B5EF4-FFF2-40B4-BE49-F238E27FC236}">
+                <a16:creationId xmlns:a16="http://schemas.microsoft.com/office/drawing/2014/main" id="{B2201CE6-0CE7-DF0B-912D-DC39976D38E4}"/>
+              </a:ext>
+            </a:extLst>
+          </p:cNvPr>
+          <p:cNvPicPr>
+            <a:picLocks noChangeAspect="1"/>
+          </p:cNvPicPr>
+          <p:nvPr/>
+        </p:nvPicPr>
+        <p:blipFill>
+          <a:blip r:embed="rId4">
+            <a:extLst>
+              <a:ext uri="{96DAC541-7B7A-43D3-8B79-37D633B846F1}">
+                <asvg:svgBlip xmlns:asvg="http://schemas.microsoft.com/office/drawing/2016/SVG/main" r:embed="rId5"/>
+              </a:ext>
+            </a:extLst>
+          </a:blip>
+          <a:stretch>
+            <a:fillRect/>
+          </a:stretch>
+        </p:blipFill>
+        <p:spPr>
+          <a:xfrm>
+            <a:off x="1802099" y="411375"/>
+            <a:ext cx="642797" cy="642797"/>
+          </a:xfrm>
+          <a:prstGeom prst="rect">
+            <a:avLst/>
+          </a:prstGeom>
+        </p:spPr>
+      </p:pic>
+      <p:sp>
+        <p:nvSpPr>
+          <p:cNvPr id="7" name="TextBox 6">
+            <a:extLst>
+              <a:ext uri="{FF2B5EF4-FFF2-40B4-BE49-F238E27FC236}">
+                <a16:creationId xmlns:a16="http://schemas.microsoft.com/office/drawing/2014/main" id="{56BB2DA3-2F66-C53D-DDF4-5D3DE726CC79}"/>
+              </a:ext>
+            </a:extLst>
+          </p:cNvPr>
+          <p:cNvSpPr txBox="1"/>
+          <p:nvPr/>
+        </p:nvSpPr>
+        <p:spPr>
+          <a:xfrm>
+            <a:off x="5532832" y="6285864"/>
+            <a:ext cx="6098058" cy="369332"/>
+          </a:xfrm>
+          <a:prstGeom prst="rect">
+            <a:avLst/>
+          </a:prstGeom>
+          <a:noFill/>
+        </p:spPr>
+        <p:txBody>
+          <a:bodyPr wrap="square">
+            <a:spAutoFit/>
+          </a:bodyPr>
+          <a:lstStyle/>
+          <a:p>
+            <a:r>
+              <a:rPr lang="en-US" dirty="0"/>
+              <a:t>https://github.com/fhazraty/codechallenge-by-fhazraty</a:t>
+            </a:r>
+          </a:p>
+        </p:txBody>
+      </p:sp>
     </p:spTree>
     <p:extLst>
       <p:ext uri="{BB962C8B-B14F-4D97-AF65-F5344CB8AC3E}">
@@ -3918,8 +3953,8 @@
         </p:nvSpPr>
         <p:spPr>
           <a:xfrm>
-            <a:off x="2391566" y="399393"/>
-            <a:ext cx="5603393" cy="584775"/>
+            <a:off x="3193645" y="399393"/>
+            <a:ext cx="4801314" cy="584775"/>
           </a:xfrm>
           <a:prstGeom prst="rect">
             <a:avLst/>
@@ -3937,13 +3972,13 @@
               <a:rPr lang="fa-IR" sz="3200" dirty="0">
                 <a:cs typeface="B Titr" panose="00000700000000000000" pitchFamily="2" charset="-78"/>
               </a:rPr>
-              <a:t>اولین چالش کد نویسی </a:t>
+              <a:t>چهارمین چالش کد نویسی </a:t>
             </a:r>
             <a:r>
               <a:rPr lang="en-US" sz="3200" b="1" dirty="0">
                 <a:cs typeface="B Titr" panose="00000700000000000000" pitchFamily="2" charset="-78"/>
               </a:rPr>
-              <a:t>SQL Server</a:t>
+              <a:t>CSS</a:t>
             </a:r>
             <a:endParaRPr lang="fa-IR" sz="3200" b="1" dirty="0">
               <a:cs typeface="B Titr" panose="00000700000000000000" pitchFamily="2" charset="-78"/>
@@ -3953,10 +3988,10 @@
       </p:sp>
       <p:pic>
         <p:nvPicPr>
-          <p:cNvPr id="3" name="Picture 2">
-            <a:extLst>
-              <a:ext uri="{FF2B5EF4-FFF2-40B4-BE49-F238E27FC236}">
-                <a16:creationId xmlns:a16="http://schemas.microsoft.com/office/drawing/2014/main" id="{1B4360E7-15B6-F2AC-E511-86F59379F1BE}"/>
+          <p:cNvPr id="5" name="Graphic 4">
+            <a:extLst>
+              <a:ext uri="{FF2B5EF4-FFF2-40B4-BE49-F238E27FC236}">
+                <a16:creationId xmlns:a16="http://schemas.microsoft.com/office/drawing/2014/main" id="{864A45D2-5C12-1EF6-CD31-41246DD6A676}"/>
               </a:ext>
             </a:extLst>
           </p:cNvPr>
@@ -3968,8 +4003,8 @@
         <p:blipFill>
           <a:blip r:embed="rId2">
             <a:extLst>
-              <a:ext uri="{28A0092B-C50C-407E-A947-70E740481C1C}">
-                <a14:useLocalDpi xmlns:a14="http://schemas.microsoft.com/office/drawing/2010/main" val="0"/>
+              <a:ext uri="{96DAC541-7B7A-43D3-8B79-37D633B846F1}">
+                <asvg:svgBlip xmlns:asvg="http://schemas.microsoft.com/office/drawing/2016/SVG/main" r:embed="rId3"/>
               </a:ext>
             </a:extLst>
           </a:blip>
@@ -3979,14 +4014,90 @@
         </p:blipFill>
         <p:spPr>
           <a:xfrm>
-            <a:off x="3584840" y="984168"/>
-            <a:ext cx="3216843" cy="3216843"/>
+            <a:off x="3908632" y="1172176"/>
+            <a:ext cx="3371335" cy="3371335"/>
           </a:xfrm>
           <a:prstGeom prst="rect">
             <a:avLst/>
           </a:prstGeom>
         </p:spPr>
       </p:pic>
+      <p:sp>
+        <p:nvSpPr>
+          <p:cNvPr id="2" name="TextBox 1">
+            <a:extLst>
+              <a:ext uri="{FF2B5EF4-FFF2-40B4-BE49-F238E27FC236}">
+                <a16:creationId xmlns:a16="http://schemas.microsoft.com/office/drawing/2014/main" id="{76E432CF-BB82-5687-E84C-A814622D126D}"/>
+              </a:ext>
+            </a:extLst>
+          </p:cNvPr>
+          <p:cNvSpPr txBox="1"/>
+          <p:nvPr/>
+        </p:nvSpPr>
+        <p:spPr>
+          <a:xfrm>
+            <a:off x="2799233" y="5561929"/>
+            <a:ext cx="5590134" cy="369332"/>
+          </a:xfrm>
+          <a:prstGeom prst="rect">
+            <a:avLst/>
+          </a:prstGeom>
+          <a:noFill/>
+        </p:spPr>
+        <p:txBody>
+          <a:bodyPr wrap="square">
+            <a:spAutoFit/>
+          </a:bodyPr>
+          <a:lstStyle/>
+          <a:p>
+            <a:r>
+              <a:rPr lang="en-US" dirty="0"/>
+              <a:t>https://github.com/fhazraty/codechallenge-by-fhazraty</a:t>
+            </a:r>
+          </a:p>
+        </p:txBody>
+      </p:sp>
+      <p:sp>
+        <p:nvSpPr>
+          <p:cNvPr id="3" name="TextBox 2">
+            <a:extLst>
+              <a:ext uri="{FF2B5EF4-FFF2-40B4-BE49-F238E27FC236}">
+                <a16:creationId xmlns:a16="http://schemas.microsoft.com/office/drawing/2014/main" id="{1CC6162A-8F08-CDF9-A50D-2F1DC0848EC7}"/>
+              </a:ext>
+            </a:extLst>
+          </p:cNvPr>
+          <p:cNvSpPr txBox="1"/>
+          <p:nvPr/>
+        </p:nvSpPr>
+        <p:spPr>
+          <a:xfrm>
+            <a:off x="3331501" y="4731520"/>
+            <a:ext cx="4525599" cy="584775"/>
+          </a:xfrm>
+          <a:prstGeom prst="rect">
+            <a:avLst/>
+          </a:prstGeom>
+          <a:noFill/>
+        </p:spPr>
+        <p:txBody>
+          <a:bodyPr wrap="none" rtlCol="0">
+            <a:spAutoFit/>
+          </a:bodyPr>
+          <a:lstStyle/>
+          <a:p>
+            <a:pPr algn="r" rtl="1"/>
+            <a:r>
+              <a:rPr lang="fa-IR" sz="3200" dirty="0">
+                <a:cs typeface="B Titr" panose="00000700000000000000" pitchFamily="2" charset="-78"/>
+              </a:rPr>
+              <a:t>طراحی انیمیشن های گرافیکی</a:t>
+            </a:r>
+            <a:endParaRPr lang="fa-IR" sz="3200" b="1" dirty="0">
+              <a:cs typeface="B Titr" panose="00000700000000000000" pitchFamily="2" charset="-78"/>
+            </a:endParaRPr>
+          </a:p>
+        </p:txBody>
+      </p:sp>
     </p:spTree>
     <p:extLst>
       <p:ext uri="{BB962C8B-B14F-4D97-AF65-F5344CB8AC3E}">
